--- a/Node-Introduction.pptx
+++ b/Node-Introduction.pptx
@@ -271,7 +271,7 @@
             <a:fld id="{E963EEA9-DA5E-4D71-9BAA-646DE63FC9EC}" type="datetimeFigureOut">
               <a:rPr lang="en-US" smtClean="0"/>
               <a:pPr/>
-              <a:t>4/25/2017</a:t>
+              <a:t>5/29/2017</a:t>
             </a:fld>
             <a:endParaRPr lang="en-US"/>
           </a:p>
@@ -438,7 +438,7 @@
             <a:fld id="{87CC9F57-8FB9-432D-8177-A8E1F7C10CFD}" type="datetimeFigureOut">
               <a:rPr lang="en-US" smtClean="0"/>
               <a:pPr/>
-              <a:t>4/25/2017</a:t>
+              <a:t>5/29/2017</a:t>
             </a:fld>
             <a:endParaRPr lang="en-US"/>
           </a:p>
@@ -10173,11 +10173,7 @@
           <a:p>
             <a:r>
               <a:rPr lang="en-US" dirty="0" smtClean="0"/>
-              <a:t>Node: </a:t>
-            </a:r>
-            <a:r>
-              <a:rPr lang="en-US" dirty="0" smtClean="0"/>
-              <a:t>Introduction</a:t>
+              <a:t>Node: Introduction</a:t>
             </a:r>
             <a:endParaRPr lang="en-US" dirty="0"/>
           </a:p>
@@ -10525,12 +10521,8 @@
               <a:t>Node: </a:t>
             </a:r>
             <a:r>
-              <a:rPr lang="en-GB" dirty="0" err="1" smtClean="0"/>
-              <a:t>EveNt</a:t>
-            </a:r>
-            <a:r>
               <a:rPr lang="en-GB" dirty="0" smtClean="0"/>
-              <a:t> Loop</a:t>
+              <a:t>Introduction</a:t>
             </a:r>
             <a:endParaRPr lang="en-GB" dirty="0"/>
           </a:p>
@@ -10613,11 +10605,7 @@
           <a:p>
             <a:r>
               <a:rPr lang="en-US" dirty="0" smtClean="0"/>
-              <a:t>NODE: </a:t>
-            </a:r>
-            <a:r>
-              <a:rPr lang="en-US" dirty="0" smtClean="0"/>
-              <a:t>Introduction</a:t>
+              <a:t>NODE: Introduction</a:t>
             </a:r>
             <a:endParaRPr lang="en-US" dirty="0"/>
           </a:p>
@@ -10869,11 +10857,7 @@
           <a:p>
             <a:r>
               <a:rPr lang="en-US" dirty="0" smtClean="0"/>
-              <a:t>NODE: </a:t>
-            </a:r>
-            <a:r>
-              <a:rPr lang="en-US" dirty="0" smtClean="0"/>
-              <a:t>introduction</a:t>
+              <a:t>NODE: introduction</a:t>
             </a:r>
             <a:endParaRPr lang="en-US" dirty="0"/>
           </a:p>
@@ -11061,8 +11045,8 @@
               <a:t>Node: </a:t>
             </a:r>
             <a:r>
-              <a:rPr lang="en-US" dirty="0" err="1" smtClean="0"/>
-              <a:t>INtroduction</a:t>
+              <a:rPr lang="en-US" dirty="0" smtClean="0"/>
+              <a:t>Introduction</a:t>
             </a:r>
             <a:endParaRPr lang="en-US" dirty="0"/>
           </a:p>
@@ -11207,8 +11191,8 @@
               <a:t>Node: </a:t>
             </a:r>
             <a:r>
-              <a:rPr lang="en-US" dirty="0" err="1" smtClean="0"/>
-              <a:t>introdution</a:t>
+              <a:rPr lang="en-US" dirty="0" smtClean="0"/>
+              <a:t>introduction</a:t>
             </a:r>
             <a:endParaRPr lang="en-US" dirty="0"/>
           </a:p>
